--- a/survey/images/proposal-pipeline.pptx
+++ b/survey/images/proposal-pipeline.pptx
@@ -1667,7 +1667,7 @@
           <a:bodyPr lIns="0" rIns="0" tIns="0" bIns="0"/>
           <a:p>
             <a:pPr algn="r"/>
-            <a:fld id="{3CB01530-FE12-45B1-AE42-EA4E0A2804C9}" type="slidenum">
+            <a:fld id="{42912C72-1DE5-4D47-BC72-9E76D47BBE56}" type="slidenum">
               <a:rPr b="0" lang="en-US" sz="1400" spc="-1" strike="noStrike">
                 <a:latin typeface="Times New Roman"/>
               </a:rPr>
@@ -1724,7 +1724,7 @@
         </p:nvSpPr>
         <p:spPr>
           <a:xfrm>
-            <a:off x="365760" y="914400"/>
+            <a:off x="365760" y="878400"/>
             <a:ext cx="822960" cy="914400"/>
           </a:xfrm>
           <a:prstGeom prst="rect">
@@ -1759,7 +1759,7 @@
         </p:nvSpPr>
         <p:spPr>
           <a:xfrm>
-            <a:off x="1828800" y="914400"/>
+            <a:off x="1828800" y="878400"/>
             <a:ext cx="1828800" cy="914400"/>
           </a:xfrm>
           <a:custGeom>
@@ -1842,7 +1842,7 @@
               <a:rPr b="0" lang="en-US" sz="1800" spc="-1" strike="noStrike">
                 <a:latin typeface="Arial"/>
               </a:rPr>
-              <a:t>Extraction</a:t>
+              <a:t>Identification</a:t>
             </a:r>
             <a:endParaRPr b="0" lang="en-US" sz="1800" spc="-1" strike="noStrike">
               <a:latin typeface="Arial"/>
@@ -1861,7 +1861,7 @@
         </p:nvCxnSpPr>
         <p:spPr>
           <a:xfrm>
-            <a:off x="1188720" y="1371600"/>
+            <a:off x="1188720" y="1335600"/>
             <a:ext cx="640440" cy="360"/>
           </a:xfrm>
           <a:prstGeom prst="straightConnector1">
@@ -1883,7 +1883,7 @@
         </p:nvSpPr>
         <p:spPr>
           <a:xfrm>
-            <a:off x="4572000" y="914400"/>
+            <a:off x="4572000" y="878400"/>
             <a:ext cx="1828800" cy="914400"/>
           </a:xfrm>
           <a:custGeom>
@@ -1985,7 +1985,7 @@
         </p:nvCxnSpPr>
         <p:spPr>
           <a:xfrm>
-            <a:off x="3657600" y="1371600"/>
+            <a:off x="3657600" y="1335600"/>
             <a:ext cx="914760" cy="360"/>
           </a:xfrm>
           <a:prstGeom prst="straightConnector1">
@@ -2007,7 +2007,7 @@
         </p:nvSpPr>
         <p:spPr>
           <a:xfrm>
-            <a:off x="7315200" y="914400"/>
+            <a:off x="7315200" y="878400"/>
             <a:ext cx="1828800" cy="914400"/>
           </a:xfrm>
           <a:custGeom>
@@ -2109,7 +2109,7 @@
         </p:nvCxnSpPr>
         <p:spPr>
           <a:xfrm>
-            <a:off x="6400800" y="1371600"/>
+            <a:off x="6400800" y="1335600"/>
             <a:ext cx="914760" cy="360"/>
           </a:xfrm>
           <a:prstGeom prst="straightConnector1">
@@ -2131,7 +2131,7 @@
         </p:nvSpPr>
         <p:spPr>
           <a:xfrm>
-            <a:off x="7315200" y="2286000"/>
+            <a:off x="7315200" y="2250000"/>
             <a:ext cx="1828800" cy="914400"/>
           </a:xfrm>
           <a:custGeom>
@@ -2230,7 +2230,7 @@
         </p:nvSpPr>
         <p:spPr>
           <a:xfrm>
-            <a:off x="4572000" y="2286000"/>
+            <a:off x="4572000" y="2250000"/>
             <a:ext cx="1828800" cy="914400"/>
           </a:xfrm>
           <a:custGeom>
@@ -2341,7 +2341,7 @@
         </p:nvSpPr>
         <p:spPr>
           <a:xfrm>
-            <a:off x="1828800" y="2286000"/>
+            <a:off x="1828800" y="2250000"/>
             <a:ext cx="1828800" cy="914400"/>
           </a:xfrm>
           <a:custGeom>
@@ -2452,7 +2452,7 @@
         </p:nvSpPr>
         <p:spPr>
           <a:xfrm>
-            <a:off x="1828800" y="3657600"/>
+            <a:off x="1828800" y="3621600"/>
             <a:ext cx="1828800" cy="914400"/>
           </a:xfrm>
           <a:prstGeom prst="can">
@@ -2514,7 +2514,7 @@
         </p:nvCxnSpPr>
         <p:spPr>
           <a:xfrm>
-            <a:off x="8229600" y="1828800"/>
+            <a:off x="8229600" y="1792800"/>
             <a:ext cx="360" cy="457560"/>
           </a:xfrm>
           <a:prstGeom prst="straightConnector1">
@@ -2539,7 +2539,7 @@
         </p:nvCxnSpPr>
         <p:spPr>
           <a:xfrm flipH="1">
-            <a:off x="6400800" y="2743200"/>
+            <a:off x="6400800" y="2707200"/>
             <a:ext cx="914760" cy="360"/>
           </a:xfrm>
           <a:prstGeom prst="straightConnector1">
@@ -2564,7 +2564,7 @@
         </p:nvCxnSpPr>
         <p:spPr>
           <a:xfrm flipH="1">
-            <a:off x="3657600" y="2743200"/>
+            <a:off x="3657600" y="2707200"/>
             <a:ext cx="914760" cy="360"/>
           </a:xfrm>
           <a:prstGeom prst="straightConnector1">
@@ -2589,7 +2589,7 @@
         </p:nvCxnSpPr>
         <p:spPr>
           <a:xfrm>
-            <a:off x="2743200" y="3200400"/>
+            <a:off x="2743200" y="3164400"/>
             <a:ext cx="360" cy="457560"/>
           </a:xfrm>
           <a:prstGeom prst="straightConnector1">
@@ -2611,7 +2611,7 @@
         </p:nvSpPr>
         <p:spPr>
           <a:xfrm>
-            <a:off x="2011680" y="4572000"/>
+            <a:off x="2011680" y="4536000"/>
             <a:ext cx="274320" cy="1188720"/>
           </a:xfrm>
           <a:custGeom>
@@ -2672,7 +2672,7 @@
         </p:nvSpPr>
         <p:spPr>
           <a:xfrm>
-            <a:off x="1280160" y="5852160"/>
+            <a:off x="1280160" y="5816160"/>
             <a:ext cx="1554480" cy="343440"/>
           </a:xfrm>
           <a:prstGeom prst="rect">
@@ -2707,7 +2707,7 @@
         </p:nvSpPr>
         <p:spPr>
           <a:xfrm>
-            <a:off x="3017520" y="4663440"/>
+            <a:off x="3017520" y="4627440"/>
             <a:ext cx="274320" cy="1097280"/>
           </a:xfrm>
           <a:custGeom>
@@ -2768,7 +2768,7 @@
         </p:nvSpPr>
         <p:spPr>
           <a:xfrm>
-            <a:off x="2651760" y="5852160"/>
+            <a:off x="2651760" y="5816160"/>
             <a:ext cx="1554480" cy="343440"/>
           </a:xfrm>
           <a:prstGeom prst="rect">
